--- a/ppt 16-9/1336.神啊！你曾试.pptx
+++ b/ppt 16-9/1336.神啊！你曾试.pptx
@@ -5,7 +5,7 @@
     <p:sldMasterId id="2147483648" r:id="rId1"/>
   </p:sldMasterIdLst>
   <p:sldIdLst>
-    <p:sldId id="893" r:id="rId2"/>
+    <p:sldId id="894" r:id="rId2"/>
   </p:sldIdLst>
   <p:sldSz cx="12192000" cy="6858000"/>
   <p:notesSz cx="6858000" cy="9144000"/>
@@ -129,7 +129,7 @@
           <p:cNvPr id="2" name="标题 1">
             <a:extLst>
               <a:ext uri="{FF2B5EF4-FFF2-40B4-BE49-F238E27FC236}">
-                <a16:creationId xmlns:a16="http://schemas.microsoft.com/office/drawing/2014/main" id="{DCE88A7A-7DA0-E0B4-E9B4-37F495D5533D}"/>
+                <a16:creationId xmlns:a16="http://schemas.microsoft.com/office/drawing/2014/main" id="{72442209-C20E-0B75-BC73-4170ADD82B58}"/>
               </a:ext>
             </a:extLst>
           </p:cNvPr>
@@ -166,7 +166,7 @@
           <p:cNvPr id="3" name="副标题 2">
             <a:extLst>
               <a:ext uri="{FF2B5EF4-FFF2-40B4-BE49-F238E27FC236}">
-                <a16:creationId xmlns:a16="http://schemas.microsoft.com/office/drawing/2014/main" id="{8B3CDD67-2617-AD40-D22D-C1B9931E86C3}"/>
+                <a16:creationId xmlns:a16="http://schemas.microsoft.com/office/drawing/2014/main" id="{B0BD6E93-C798-15DC-ACB5-0686E6572891}"/>
               </a:ext>
             </a:extLst>
           </p:cNvPr>
@@ -236,7 +236,7 @@
           <p:cNvPr id="4" name="日期占位符 3">
             <a:extLst>
               <a:ext uri="{FF2B5EF4-FFF2-40B4-BE49-F238E27FC236}">
-                <a16:creationId xmlns:a16="http://schemas.microsoft.com/office/drawing/2014/main" id="{6FA51FB4-85AE-50AE-9C60-CAE6440E4A87}"/>
+                <a16:creationId xmlns:a16="http://schemas.microsoft.com/office/drawing/2014/main" id="{4187727F-4EEC-7549-7A7E-53BC0F5641E1}"/>
               </a:ext>
             </a:extLst>
           </p:cNvPr>
@@ -252,7 +252,7 @@
           <a:bodyPr/>
           <a:lstStyle/>
           <a:p>
-            <a:fld id="{D0318504-E7EB-445C-BDD7-069696839B7F}" type="datetimeFigureOut">
+            <a:fld id="{8CC405EB-DE6F-4FAC-BEA8-0CD452210A8A}" type="datetimeFigureOut">
               <a:rPr lang="zh-CN" altLang="en-US" smtClean="0"/>
               <a:t>2024/3/10</a:t>
             </a:fld>
@@ -265,7 +265,7 @@
           <p:cNvPr id="5" name="页脚占位符 4">
             <a:extLst>
               <a:ext uri="{FF2B5EF4-FFF2-40B4-BE49-F238E27FC236}">
-                <a16:creationId xmlns:a16="http://schemas.microsoft.com/office/drawing/2014/main" id="{E5C7AE3D-25F1-5526-15BB-0594E97BD77A}"/>
+                <a16:creationId xmlns:a16="http://schemas.microsoft.com/office/drawing/2014/main" id="{91CA11A2-E564-DC9E-E4DA-D6033712BA30}"/>
               </a:ext>
             </a:extLst>
           </p:cNvPr>
@@ -290,7 +290,7 @@
           <p:cNvPr id="6" name="灯片编号占位符 5">
             <a:extLst>
               <a:ext uri="{FF2B5EF4-FFF2-40B4-BE49-F238E27FC236}">
-                <a16:creationId xmlns:a16="http://schemas.microsoft.com/office/drawing/2014/main" id="{EFF3D315-F573-CEB4-5CA7-90717BD59B1D}"/>
+                <a16:creationId xmlns:a16="http://schemas.microsoft.com/office/drawing/2014/main" id="{A7E352E7-A519-3FFA-8DA6-3071AEE1C76D}"/>
               </a:ext>
             </a:extLst>
           </p:cNvPr>
@@ -306,7 +306,7 @@
           <a:bodyPr/>
           <a:lstStyle/>
           <a:p>
-            <a:fld id="{E4E11C57-885D-4143-8A67-42736074CC5E}" type="slidenum">
+            <a:fld id="{1AD63E32-6903-48F6-8FEF-D005E95FD2E3}" type="slidenum">
               <a:rPr lang="zh-CN" altLang="en-US" smtClean="0"/>
               <a:t>‹#›</a:t>
             </a:fld>
@@ -317,7 +317,7 @@
     </p:spTree>
     <p:extLst>
       <p:ext uri="{BB962C8B-B14F-4D97-AF65-F5344CB8AC3E}">
-        <p14:creationId xmlns:p14="http://schemas.microsoft.com/office/powerpoint/2010/main" val="3373808052"/>
+        <p14:creationId xmlns:p14="http://schemas.microsoft.com/office/powerpoint/2010/main" val="132480708"/>
       </p:ext>
     </p:extLst>
   </p:cSld>
@@ -349,7 +349,7 @@
           <p:cNvPr id="2" name="标题 1">
             <a:extLst>
               <a:ext uri="{FF2B5EF4-FFF2-40B4-BE49-F238E27FC236}">
-                <a16:creationId xmlns:a16="http://schemas.microsoft.com/office/drawing/2014/main" id="{2C10FC7C-9553-5EC9-9ECA-E34207F2A382}"/>
+                <a16:creationId xmlns:a16="http://schemas.microsoft.com/office/drawing/2014/main" id="{6B4EA5D6-F950-793A-D9D1-D4F28335964F}"/>
               </a:ext>
             </a:extLst>
           </p:cNvPr>
@@ -377,7 +377,7 @@
           <p:cNvPr id="3" name="竖排文字占位符 2">
             <a:extLst>
               <a:ext uri="{FF2B5EF4-FFF2-40B4-BE49-F238E27FC236}">
-                <a16:creationId xmlns:a16="http://schemas.microsoft.com/office/drawing/2014/main" id="{D3D9FF89-DC3F-0C32-B097-036BD012339D}"/>
+                <a16:creationId xmlns:a16="http://schemas.microsoft.com/office/drawing/2014/main" id="{B961467B-79B1-2EF6-DFC4-723886DE54F4}"/>
               </a:ext>
             </a:extLst>
           </p:cNvPr>
@@ -434,7 +434,7 @@
           <p:cNvPr id="4" name="日期占位符 3">
             <a:extLst>
               <a:ext uri="{FF2B5EF4-FFF2-40B4-BE49-F238E27FC236}">
-                <a16:creationId xmlns:a16="http://schemas.microsoft.com/office/drawing/2014/main" id="{9A154B94-AFFD-011F-BD70-DF3B2C6D02C5}"/>
+                <a16:creationId xmlns:a16="http://schemas.microsoft.com/office/drawing/2014/main" id="{A6D73F96-88C2-8A53-79A8-1FAE25252E57}"/>
               </a:ext>
             </a:extLst>
           </p:cNvPr>
@@ -450,7 +450,7 @@
           <a:bodyPr/>
           <a:lstStyle/>
           <a:p>
-            <a:fld id="{D0318504-E7EB-445C-BDD7-069696839B7F}" type="datetimeFigureOut">
+            <a:fld id="{8CC405EB-DE6F-4FAC-BEA8-0CD452210A8A}" type="datetimeFigureOut">
               <a:rPr lang="zh-CN" altLang="en-US" smtClean="0"/>
               <a:t>2024/3/10</a:t>
             </a:fld>
@@ -463,7 +463,7 @@
           <p:cNvPr id="5" name="页脚占位符 4">
             <a:extLst>
               <a:ext uri="{FF2B5EF4-FFF2-40B4-BE49-F238E27FC236}">
-                <a16:creationId xmlns:a16="http://schemas.microsoft.com/office/drawing/2014/main" id="{44EB7F99-94D7-9DDC-5C6F-E5090E0A4D82}"/>
+                <a16:creationId xmlns:a16="http://schemas.microsoft.com/office/drawing/2014/main" id="{286B2773-4D0B-FF6B-5F44-1EFFB295353E}"/>
               </a:ext>
             </a:extLst>
           </p:cNvPr>
@@ -488,7 +488,7 @@
           <p:cNvPr id="6" name="灯片编号占位符 5">
             <a:extLst>
               <a:ext uri="{FF2B5EF4-FFF2-40B4-BE49-F238E27FC236}">
-                <a16:creationId xmlns:a16="http://schemas.microsoft.com/office/drawing/2014/main" id="{8F96F860-7768-9841-2D9C-E6ECD3AACB97}"/>
+                <a16:creationId xmlns:a16="http://schemas.microsoft.com/office/drawing/2014/main" id="{555024A4-F84A-27FB-D30B-CA05A82B3E7B}"/>
               </a:ext>
             </a:extLst>
           </p:cNvPr>
@@ -504,7 +504,7 @@
           <a:bodyPr/>
           <a:lstStyle/>
           <a:p>
-            <a:fld id="{E4E11C57-885D-4143-8A67-42736074CC5E}" type="slidenum">
+            <a:fld id="{1AD63E32-6903-48F6-8FEF-D005E95FD2E3}" type="slidenum">
               <a:rPr lang="zh-CN" altLang="en-US" smtClean="0"/>
               <a:t>‹#›</a:t>
             </a:fld>
@@ -515,7 +515,7 @@
     </p:spTree>
     <p:extLst>
       <p:ext uri="{BB962C8B-B14F-4D97-AF65-F5344CB8AC3E}">
-        <p14:creationId xmlns:p14="http://schemas.microsoft.com/office/powerpoint/2010/main" val="3605768599"/>
+        <p14:creationId xmlns:p14="http://schemas.microsoft.com/office/powerpoint/2010/main" val="2487463071"/>
       </p:ext>
     </p:extLst>
   </p:cSld>
@@ -547,7 +547,7 @@
           <p:cNvPr id="2" name="竖排标题 1">
             <a:extLst>
               <a:ext uri="{FF2B5EF4-FFF2-40B4-BE49-F238E27FC236}">
-                <a16:creationId xmlns:a16="http://schemas.microsoft.com/office/drawing/2014/main" id="{034B84C0-0312-295F-CEC3-CF071A856EDF}"/>
+                <a16:creationId xmlns:a16="http://schemas.microsoft.com/office/drawing/2014/main" id="{1C8A729C-608E-F2F1-A6BC-71A64E8CD8E6}"/>
               </a:ext>
             </a:extLst>
           </p:cNvPr>
@@ -580,7 +580,7 @@
           <p:cNvPr id="3" name="竖排文字占位符 2">
             <a:extLst>
               <a:ext uri="{FF2B5EF4-FFF2-40B4-BE49-F238E27FC236}">
-                <a16:creationId xmlns:a16="http://schemas.microsoft.com/office/drawing/2014/main" id="{12D49C27-3BD1-D41A-6932-E2EEDA219EA4}"/>
+                <a16:creationId xmlns:a16="http://schemas.microsoft.com/office/drawing/2014/main" id="{08AAE65A-7D48-C9FF-D101-3F5E1846C621}"/>
               </a:ext>
             </a:extLst>
           </p:cNvPr>
@@ -642,7 +642,7 @@
           <p:cNvPr id="4" name="日期占位符 3">
             <a:extLst>
               <a:ext uri="{FF2B5EF4-FFF2-40B4-BE49-F238E27FC236}">
-                <a16:creationId xmlns:a16="http://schemas.microsoft.com/office/drawing/2014/main" id="{C5AA90CA-70E7-358A-ED25-4F72787AFF60}"/>
+                <a16:creationId xmlns:a16="http://schemas.microsoft.com/office/drawing/2014/main" id="{B407DC2E-ED6F-F99E-0F19-810EBD6CB3E9}"/>
               </a:ext>
             </a:extLst>
           </p:cNvPr>
@@ -658,7 +658,7 @@
           <a:bodyPr/>
           <a:lstStyle/>
           <a:p>
-            <a:fld id="{D0318504-E7EB-445C-BDD7-069696839B7F}" type="datetimeFigureOut">
+            <a:fld id="{8CC405EB-DE6F-4FAC-BEA8-0CD452210A8A}" type="datetimeFigureOut">
               <a:rPr lang="zh-CN" altLang="en-US" smtClean="0"/>
               <a:t>2024/3/10</a:t>
             </a:fld>
@@ -671,7 +671,7 @@
           <p:cNvPr id="5" name="页脚占位符 4">
             <a:extLst>
               <a:ext uri="{FF2B5EF4-FFF2-40B4-BE49-F238E27FC236}">
-                <a16:creationId xmlns:a16="http://schemas.microsoft.com/office/drawing/2014/main" id="{8BBC14EA-F3AB-E0B3-E563-291C3946E9FD}"/>
+                <a16:creationId xmlns:a16="http://schemas.microsoft.com/office/drawing/2014/main" id="{D540AE04-8B0A-CC9A-C8F3-B2957B2595A3}"/>
               </a:ext>
             </a:extLst>
           </p:cNvPr>
@@ -696,7 +696,7 @@
           <p:cNvPr id="6" name="灯片编号占位符 5">
             <a:extLst>
               <a:ext uri="{FF2B5EF4-FFF2-40B4-BE49-F238E27FC236}">
-                <a16:creationId xmlns:a16="http://schemas.microsoft.com/office/drawing/2014/main" id="{CEDAF6AC-8272-7061-C351-C87905A08003}"/>
+                <a16:creationId xmlns:a16="http://schemas.microsoft.com/office/drawing/2014/main" id="{2032D546-E2C0-E141-2D2B-CD67139604A8}"/>
               </a:ext>
             </a:extLst>
           </p:cNvPr>
@@ -712,7 +712,7 @@
           <a:bodyPr/>
           <a:lstStyle/>
           <a:p>
-            <a:fld id="{E4E11C57-885D-4143-8A67-42736074CC5E}" type="slidenum">
+            <a:fld id="{1AD63E32-6903-48F6-8FEF-D005E95FD2E3}" type="slidenum">
               <a:rPr lang="zh-CN" altLang="en-US" smtClean="0"/>
               <a:t>‹#›</a:t>
             </a:fld>
@@ -723,7 +723,7 @@
     </p:spTree>
     <p:extLst>
       <p:ext uri="{BB962C8B-B14F-4D97-AF65-F5344CB8AC3E}">
-        <p14:creationId xmlns:p14="http://schemas.microsoft.com/office/powerpoint/2010/main" val="1184361998"/>
+        <p14:creationId xmlns:p14="http://schemas.microsoft.com/office/powerpoint/2010/main" val="220401967"/>
       </p:ext>
     </p:extLst>
   </p:cSld>
@@ -755,7 +755,7 @@
           <p:cNvPr id="2" name="标题 1">
             <a:extLst>
               <a:ext uri="{FF2B5EF4-FFF2-40B4-BE49-F238E27FC236}">
-                <a16:creationId xmlns:a16="http://schemas.microsoft.com/office/drawing/2014/main" id="{1E7F9132-59A7-3A85-C04B-F3C4325C1FD2}"/>
+                <a16:creationId xmlns:a16="http://schemas.microsoft.com/office/drawing/2014/main" id="{561A975C-9FAD-0677-8B3E-8387E5CFC3A4}"/>
               </a:ext>
             </a:extLst>
           </p:cNvPr>
@@ -783,7 +783,7 @@
           <p:cNvPr id="3" name="内容占位符 2">
             <a:extLst>
               <a:ext uri="{FF2B5EF4-FFF2-40B4-BE49-F238E27FC236}">
-                <a16:creationId xmlns:a16="http://schemas.microsoft.com/office/drawing/2014/main" id="{8749A010-F9C3-6AA0-44BF-F0A0DC6F4820}"/>
+                <a16:creationId xmlns:a16="http://schemas.microsoft.com/office/drawing/2014/main" id="{F44E16A9-507B-781F-C376-9069CBE4E660}"/>
               </a:ext>
             </a:extLst>
           </p:cNvPr>
@@ -840,7 +840,7 @@
           <p:cNvPr id="4" name="日期占位符 3">
             <a:extLst>
               <a:ext uri="{FF2B5EF4-FFF2-40B4-BE49-F238E27FC236}">
-                <a16:creationId xmlns:a16="http://schemas.microsoft.com/office/drawing/2014/main" id="{819EEA80-6099-7BD0-97E9-DD3F7C09417C}"/>
+                <a16:creationId xmlns:a16="http://schemas.microsoft.com/office/drawing/2014/main" id="{75386A4D-6DCD-6F38-6BD4-4A033FAAD58D}"/>
               </a:ext>
             </a:extLst>
           </p:cNvPr>
@@ -856,7 +856,7 @@
           <a:bodyPr/>
           <a:lstStyle/>
           <a:p>
-            <a:fld id="{D0318504-E7EB-445C-BDD7-069696839B7F}" type="datetimeFigureOut">
+            <a:fld id="{8CC405EB-DE6F-4FAC-BEA8-0CD452210A8A}" type="datetimeFigureOut">
               <a:rPr lang="zh-CN" altLang="en-US" smtClean="0"/>
               <a:t>2024/3/10</a:t>
             </a:fld>
@@ -869,7 +869,7 @@
           <p:cNvPr id="5" name="页脚占位符 4">
             <a:extLst>
               <a:ext uri="{FF2B5EF4-FFF2-40B4-BE49-F238E27FC236}">
-                <a16:creationId xmlns:a16="http://schemas.microsoft.com/office/drawing/2014/main" id="{032A7693-E7F7-2D25-0826-F462923E45C3}"/>
+                <a16:creationId xmlns:a16="http://schemas.microsoft.com/office/drawing/2014/main" id="{2AE7B429-06A4-4BB1-77B3-611EB57D16F7}"/>
               </a:ext>
             </a:extLst>
           </p:cNvPr>
@@ -894,7 +894,7 @@
           <p:cNvPr id="6" name="灯片编号占位符 5">
             <a:extLst>
               <a:ext uri="{FF2B5EF4-FFF2-40B4-BE49-F238E27FC236}">
-                <a16:creationId xmlns:a16="http://schemas.microsoft.com/office/drawing/2014/main" id="{A24B60AC-F64D-F04E-24CA-38CC7683EB2F}"/>
+                <a16:creationId xmlns:a16="http://schemas.microsoft.com/office/drawing/2014/main" id="{1F225F64-435F-DB45-22F4-3E20D64E71B8}"/>
               </a:ext>
             </a:extLst>
           </p:cNvPr>
@@ -910,7 +910,7 @@
           <a:bodyPr/>
           <a:lstStyle/>
           <a:p>
-            <a:fld id="{E4E11C57-885D-4143-8A67-42736074CC5E}" type="slidenum">
+            <a:fld id="{1AD63E32-6903-48F6-8FEF-D005E95FD2E3}" type="slidenum">
               <a:rPr lang="zh-CN" altLang="en-US" smtClean="0"/>
               <a:t>‹#›</a:t>
             </a:fld>
@@ -921,7 +921,7 @@
     </p:spTree>
     <p:extLst>
       <p:ext uri="{BB962C8B-B14F-4D97-AF65-F5344CB8AC3E}">
-        <p14:creationId xmlns:p14="http://schemas.microsoft.com/office/powerpoint/2010/main" val="2784225782"/>
+        <p14:creationId xmlns:p14="http://schemas.microsoft.com/office/powerpoint/2010/main" val="1080172254"/>
       </p:ext>
     </p:extLst>
   </p:cSld>
@@ -953,7 +953,7 @@
           <p:cNvPr id="2" name="标题 1">
             <a:extLst>
               <a:ext uri="{FF2B5EF4-FFF2-40B4-BE49-F238E27FC236}">
-                <a16:creationId xmlns:a16="http://schemas.microsoft.com/office/drawing/2014/main" id="{433B64CC-E1D6-B47C-FF6C-68D8470CFCD4}"/>
+                <a16:creationId xmlns:a16="http://schemas.microsoft.com/office/drawing/2014/main" id="{156A9013-2FE4-A9BD-0F5D-161091BDDB07}"/>
               </a:ext>
             </a:extLst>
           </p:cNvPr>
@@ -990,7 +990,7 @@
           <p:cNvPr id="3" name="文本占位符 2">
             <a:extLst>
               <a:ext uri="{FF2B5EF4-FFF2-40B4-BE49-F238E27FC236}">
-                <a16:creationId xmlns:a16="http://schemas.microsoft.com/office/drawing/2014/main" id="{F70174B8-FF21-7B9F-015B-6725F822A6E0}"/>
+                <a16:creationId xmlns:a16="http://schemas.microsoft.com/office/drawing/2014/main" id="{2DBDEA05-EE28-9457-FEEB-B35D55A69B28}"/>
               </a:ext>
             </a:extLst>
           </p:cNvPr>
@@ -1115,7 +1115,7 @@
           <p:cNvPr id="4" name="日期占位符 3">
             <a:extLst>
               <a:ext uri="{FF2B5EF4-FFF2-40B4-BE49-F238E27FC236}">
-                <a16:creationId xmlns:a16="http://schemas.microsoft.com/office/drawing/2014/main" id="{5A796640-8E10-3B03-A9DE-67D94D24DB64}"/>
+                <a16:creationId xmlns:a16="http://schemas.microsoft.com/office/drawing/2014/main" id="{F1CD31D9-E728-3769-FFF3-C8678284BD14}"/>
               </a:ext>
             </a:extLst>
           </p:cNvPr>
@@ -1131,7 +1131,7 @@
           <a:bodyPr/>
           <a:lstStyle/>
           <a:p>
-            <a:fld id="{D0318504-E7EB-445C-BDD7-069696839B7F}" type="datetimeFigureOut">
+            <a:fld id="{8CC405EB-DE6F-4FAC-BEA8-0CD452210A8A}" type="datetimeFigureOut">
               <a:rPr lang="zh-CN" altLang="en-US" smtClean="0"/>
               <a:t>2024/3/10</a:t>
             </a:fld>
@@ -1144,7 +1144,7 @@
           <p:cNvPr id="5" name="页脚占位符 4">
             <a:extLst>
               <a:ext uri="{FF2B5EF4-FFF2-40B4-BE49-F238E27FC236}">
-                <a16:creationId xmlns:a16="http://schemas.microsoft.com/office/drawing/2014/main" id="{ADE9EF3F-8747-5DC5-3AD4-66C3C9A45ECF}"/>
+                <a16:creationId xmlns:a16="http://schemas.microsoft.com/office/drawing/2014/main" id="{AE758017-8733-4E6D-4186-C668F99CD4C2}"/>
               </a:ext>
             </a:extLst>
           </p:cNvPr>
@@ -1169,7 +1169,7 @@
           <p:cNvPr id="6" name="灯片编号占位符 5">
             <a:extLst>
               <a:ext uri="{FF2B5EF4-FFF2-40B4-BE49-F238E27FC236}">
-                <a16:creationId xmlns:a16="http://schemas.microsoft.com/office/drawing/2014/main" id="{1C5DDF9C-3E38-C38B-2EBC-909C27D21E67}"/>
+                <a16:creationId xmlns:a16="http://schemas.microsoft.com/office/drawing/2014/main" id="{6A10BCFE-456E-9A51-7605-E63838D4AD23}"/>
               </a:ext>
             </a:extLst>
           </p:cNvPr>
@@ -1185,7 +1185,7 @@
           <a:bodyPr/>
           <a:lstStyle/>
           <a:p>
-            <a:fld id="{E4E11C57-885D-4143-8A67-42736074CC5E}" type="slidenum">
+            <a:fld id="{1AD63E32-6903-48F6-8FEF-D005E95FD2E3}" type="slidenum">
               <a:rPr lang="zh-CN" altLang="en-US" smtClean="0"/>
               <a:t>‹#›</a:t>
             </a:fld>
@@ -1196,7 +1196,7 @@
     </p:spTree>
     <p:extLst>
       <p:ext uri="{BB962C8B-B14F-4D97-AF65-F5344CB8AC3E}">
-        <p14:creationId xmlns:p14="http://schemas.microsoft.com/office/powerpoint/2010/main" val="276871980"/>
+        <p14:creationId xmlns:p14="http://schemas.microsoft.com/office/powerpoint/2010/main" val="4148213017"/>
       </p:ext>
     </p:extLst>
   </p:cSld>
@@ -1228,7 +1228,7 @@
           <p:cNvPr id="2" name="标题 1">
             <a:extLst>
               <a:ext uri="{FF2B5EF4-FFF2-40B4-BE49-F238E27FC236}">
-                <a16:creationId xmlns:a16="http://schemas.microsoft.com/office/drawing/2014/main" id="{A9665098-3713-9139-1C4C-4096C551F54B}"/>
+                <a16:creationId xmlns:a16="http://schemas.microsoft.com/office/drawing/2014/main" id="{AF676DC5-B8B5-473D-EC8A-CDBA180EAA46}"/>
               </a:ext>
             </a:extLst>
           </p:cNvPr>
@@ -1256,7 +1256,7 @@
           <p:cNvPr id="3" name="内容占位符 2">
             <a:extLst>
               <a:ext uri="{FF2B5EF4-FFF2-40B4-BE49-F238E27FC236}">
-                <a16:creationId xmlns:a16="http://schemas.microsoft.com/office/drawing/2014/main" id="{3B759A39-6F93-DD4D-BC0E-09B61D2CF358}"/>
+                <a16:creationId xmlns:a16="http://schemas.microsoft.com/office/drawing/2014/main" id="{CD034C5A-C151-61D4-15A5-F7860293A4C0}"/>
               </a:ext>
             </a:extLst>
           </p:cNvPr>
@@ -1318,7 +1318,7 @@
           <p:cNvPr id="4" name="内容占位符 3">
             <a:extLst>
               <a:ext uri="{FF2B5EF4-FFF2-40B4-BE49-F238E27FC236}">
-                <a16:creationId xmlns:a16="http://schemas.microsoft.com/office/drawing/2014/main" id="{F3EA73FA-45FB-69CC-9EC1-93B8F1F84B5F}"/>
+                <a16:creationId xmlns:a16="http://schemas.microsoft.com/office/drawing/2014/main" id="{C2E636B6-475E-DEBC-64B8-6CDA841AC2EE}"/>
               </a:ext>
             </a:extLst>
           </p:cNvPr>
@@ -1380,7 +1380,7 @@
           <p:cNvPr id="5" name="日期占位符 4">
             <a:extLst>
               <a:ext uri="{FF2B5EF4-FFF2-40B4-BE49-F238E27FC236}">
-                <a16:creationId xmlns:a16="http://schemas.microsoft.com/office/drawing/2014/main" id="{51050263-B956-0C88-5676-45181142AB3A}"/>
+                <a16:creationId xmlns:a16="http://schemas.microsoft.com/office/drawing/2014/main" id="{B108C4FB-56B2-E287-BB7B-F3D6DFF3F0DD}"/>
               </a:ext>
             </a:extLst>
           </p:cNvPr>
@@ -1396,7 +1396,7 @@
           <a:bodyPr/>
           <a:lstStyle/>
           <a:p>
-            <a:fld id="{D0318504-E7EB-445C-BDD7-069696839B7F}" type="datetimeFigureOut">
+            <a:fld id="{8CC405EB-DE6F-4FAC-BEA8-0CD452210A8A}" type="datetimeFigureOut">
               <a:rPr lang="zh-CN" altLang="en-US" smtClean="0"/>
               <a:t>2024/3/10</a:t>
             </a:fld>
@@ -1409,7 +1409,7 @@
           <p:cNvPr id="6" name="页脚占位符 5">
             <a:extLst>
               <a:ext uri="{FF2B5EF4-FFF2-40B4-BE49-F238E27FC236}">
-                <a16:creationId xmlns:a16="http://schemas.microsoft.com/office/drawing/2014/main" id="{D47F633F-65A7-111A-A452-700EA9DDA8ED}"/>
+                <a16:creationId xmlns:a16="http://schemas.microsoft.com/office/drawing/2014/main" id="{B0F5ED4A-9130-3B99-CD86-AEE28C8E25E9}"/>
               </a:ext>
             </a:extLst>
           </p:cNvPr>
@@ -1434,7 +1434,7 @@
           <p:cNvPr id="7" name="灯片编号占位符 6">
             <a:extLst>
               <a:ext uri="{FF2B5EF4-FFF2-40B4-BE49-F238E27FC236}">
-                <a16:creationId xmlns:a16="http://schemas.microsoft.com/office/drawing/2014/main" id="{ADEC9060-9D37-2515-D63E-8D98019DC8D8}"/>
+                <a16:creationId xmlns:a16="http://schemas.microsoft.com/office/drawing/2014/main" id="{25EF8320-C162-3101-F7A3-F68C84BA5A84}"/>
               </a:ext>
             </a:extLst>
           </p:cNvPr>
@@ -1450,7 +1450,7 @@
           <a:bodyPr/>
           <a:lstStyle/>
           <a:p>
-            <a:fld id="{E4E11C57-885D-4143-8A67-42736074CC5E}" type="slidenum">
+            <a:fld id="{1AD63E32-6903-48F6-8FEF-D005E95FD2E3}" type="slidenum">
               <a:rPr lang="zh-CN" altLang="en-US" smtClean="0"/>
               <a:t>‹#›</a:t>
             </a:fld>
@@ -1461,7 +1461,7 @@
     </p:spTree>
     <p:extLst>
       <p:ext uri="{BB962C8B-B14F-4D97-AF65-F5344CB8AC3E}">
-        <p14:creationId xmlns:p14="http://schemas.microsoft.com/office/powerpoint/2010/main" val="3688627113"/>
+        <p14:creationId xmlns:p14="http://schemas.microsoft.com/office/powerpoint/2010/main" val="2636213973"/>
       </p:ext>
     </p:extLst>
   </p:cSld>
@@ -1493,7 +1493,7 @@
           <p:cNvPr id="2" name="标题 1">
             <a:extLst>
               <a:ext uri="{FF2B5EF4-FFF2-40B4-BE49-F238E27FC236}">
-                <a16:creationId xmlns:a16="http://schemas.microsoft.com/office/drawing/2014/main" id="{04CE3EF1-A370-DC3D-3F2B-6842F187AD52}"/>
+                <a16:creationId xmlns:a16="http://schemas.microsoft.com/office/drawing/2014/main" id="{F829B0FE-FBD7-688E-EDFD-EC5D057B7B4F}"/>
               </a:ext>
             </a:extLst>
           </p:cNvPr>
@@ -1526,7 +1526,7 @@
           <p:cNvPr id="3" name="文本占位符 2">
             <a:extLst>
               <a:ext uri="{FF2B5EF4-FFF2-40B4-BE49-F238E27FC236}">
-                <a16:creationId xmlns:a16="http://schemas.microsoft.com/office/drawing/2014/main" id="{61BBDB83-3EBE-97D1-A90C-057273C0F4A9}"/>
+                <a16:creationId xmlns:a16="http://schemas.microsoft.com/office/drawing/2014/main" id="{14689C8C-BE32-9493-3719-BF9852224D6B}"/>
               </a:ext>
             </a:extLst>
           </p:cNvPr>
@@ -1597,7 +1597,7 @@
           <p:cNvPr id="4" name="内容占位符 3">
             <a:extLst>
               <a:ext uri="{FF2B5EF4-FFF2-40B4-BE49-F238E27FC236}">
-                <a16:creationId xmlns:a16="http://schemas.microsoft.com/office/drawing/2014/main" id="{60D9EAAC-FD57-4C9F-C465-E9090F878317}"/>
+                <a16:creationId xmlns:a16="http://schemas.microsoft.com/office/drawing/2014/main" id="{EA566DDC-3442-824B-A310-653B67D70FF8}"/>
               </a:ext>
             </a:extLst>
           </p:cNvPr>
@@ -1659,7 +1659,7 @@
           <p:cNvPr id="5" name="文本占位符 4">
             <a:extLst>
               <a:ext uri="{FF2B5EF4-FFF2-40B4-BE49-F238E27FC236}">
-                <a16:creationId xmlns:a16="http://schemas.microsoft.com/office/drawing/2014/main" id="{EDDE3DC1-414C-F2E0-8E87-947B34ABE919}"/>
+                <a16:creationId xmlns:a16="http://schemas.microsoft.com/office/drawing/2014/main" id="{E964BCE2-50BF-4398-AEDB-054A95AB7560}"/>
               </a:ext>
             </a:extLst>
           </p:cNvPr>
@@ -1730,7 +1730,7 @@
           <p:cNvPr id="6" name="内容占位符 5">
             <a:extLst>
               <a:ext uri="{FF2B5EF4-FFF2-40B4-BE49-F238E27FC236}">
-                <a16:creationId xmlns:a16="http://schemas.microsoft.com/office/drawing/2014/main" id="{A31A008D-2456-76E8-B5E6-F5ED079B9683}"/>
+                <a16:creationId xmlns:a16="http://schemas.microsoft.com/office/drawing/2014/main" id="{284150CF-6E34-A5EB-0BD8-427C1B9C23DF}"/>
               </a:ext>
             </a:extLst>
           </p:cNvPr>
@@ -1792,7 +1792,7 @@
           <p:cNvPr id="7" name="日期占位符 6">
             <a:extLst>
               <a:ext uri="{FF2B5EF4-FFF2-40B4-BE49-F238E27FC236}">
-                <a16:creationId xmlns:a16="http://schemas.microsoft.com/office/drawing/2014/main" id="{501DB84D-816C-5972-E600-7DF32BA87BD6}"/>
+                <a16:creationId xmlns:a16="http://schemas.microsoft.com/office/drawing/2014/main" id="{EA730CD8-F861-B99C-43CD-4954CEA1CC92}"/>
               </a:ext>
             </a:extLst>
           </p:cNvPr>
@@ -1808,7 +1808,7 @@
           <a:bodyPr/>
           <a:lstStyle/>
           <a:p>
-            <a:fld id="{D0318504-E7EB-445C-BDD7-069696839B7F}" type="datetimeFigureOut">
+            <a:fld id="{8CC405EB-DE6F-4FAC-BEA8-0CD452210A8A}" type="datetimeFigureOut">
               <a:rPr lang="zh-CN" altLang="en-US" smtClean="0"/>
               <a:t>2024/3/10</a:t>
             </a:fld>
@@ -1821,7 +1821,7 @@
           <p:cNvPr id="8" name="页脚占位符 7">
             <a:extLst>
               <a:ext uri="{FF2B5EF4-FFF2-40B4-BE49-F238E27FC236}">
-                <a16:creationId xmlns:a16="http://schemas.microsoft.com/office/drawing/2014/main" id="{C793A0E0-BC1B-09C6-2789-7794AE520EA1}"/>
+                <a16:creationId xmlns:a16="http://schemas.microsoft.com/office/drawing/2014/main" id="{E51AB1F8-A643-323B-E6A3-06116F1FED9D}"/>
               </a:ext>
             </a:extLst>
           </p:cNvPr>
@@ -1846,7 +1846,7 @@
           <p:cNvPr id="9" name="灯片编号占位符 8">
             <a:extLst>
               <a:ext uri="{FF2B5EF4-FFF2-40B4-BE49-F238E27FC236}">
-                <a16:creationId xmlns:a16="http://schemas.microsoft.com/office/drawing/2014/main" id="{3EE8D857-BA4F-FC8D-861F-B06411ACEEBA}"/>
+                <a16:creationId xmlns:a16="http://schemas.microsoft.com/office/drawing/2014/main" id="{776372E8-2897-4468-B3F5-69C354C57736}"/>
               </a:ext>
             </a:extLst>
           </p:cNvPr>
@@ -1862,7 +1862,7 @@
           <a:bodyPr/>
           <a:lstStyle/>
           <a:p>
-            <a:fld id="{E4E11C57-885D-4143-8A67-42736074CC5E}" type="slidenum">
+            <a:fld id="{1AD63E32-6903-48F6-8FEF-D005E95FD2E3}" type="slidenum">
               <a:rPr lang="zh-CN" altLang="en-US" smtClean="0"/>
               <a:t>‹#›</a:t>
             </a:fld>
@@ -1873,7 +1873,7 @@
     </p:spTree>
     <p:extLst>
       <p:ext uri="{BB962C8B-B14F-4D97-AF65-F5344CB8AC3E}">
-        <p14:creationId xmlns:p14="http://schemas.microsoft.com/office/powerpoint/2010/main" val="315662057"/>
+        <p14:creationId xmlns:p14="http://schemas.microsoft.com/office/powerpoint/2010/main" val="2040437907"/>
       </p:ext>
     </p:extLst>
   </p:cSld>
@@ -1905,7 +1905,7 @@
           <p:cNvPr id="2" name="标题 1">
             <a:extLst>
               <a:ext uri="{FF2B5EF4-FFF2-40B4-BE49-F238E27FC236}">
-                <a16:creationId xmlns:a16="http://schemas.microsoft.com/office/drawing/2014/main" id="{BF410EE9-849B-C191-A1AA-9272A9727697}"/>
+                <a16:creationId xmlns:a16="http://schemas.microsoft.com/office/drawing/2014/main" id="{B456FBB2-5B96-E34D-4FED-AD4BA97384E2}"/>
               </a:ext>
             </a:extLst>
           </p:cNvPr>
@@ -1933,7 +1933,7 @@
           <p:cNvPr id="3" name="日期占位符 2">
             <a:extLst>
               <a:ext uri="{FF2B5EF4-FFF2-40B4-BE49-F238E27FC236}">
-                <a16:creationId xmlns:a16="http://schemas.microsoft.com/office/drawing/2014/main" id="{BE059C7E-7CA2-3058-5BB9-4ED4218049EA}"/>
+                <a16:creationId xmlns:a16="http://schemas.microsoft.com/office/drawing/2014/main" id="{77546EF8-6769-E03A-9243-3F2498C267A6}"/>
               </a:ext>
             </a:extLst>
           </p:cNvPr>
@@ -1949,7 +1949,7 @@
           <a:bodyPr/>
           <a:lstStyle/>
           <a:p>
-            <a:fld id="{D0318504-E7EB-445C-BDD7-069696839B7F}" type="datetimeFigureOut">
+            <a:fld id="{8CC405EB-DE6F-4FAC-BEA8-0CD452210A8A}" type="datetimeFigureOut">
               <a:rPr lang="zh-CN" altLang="en-US" smtClean="0"/>
               <a:t>2024/3/10</a:t>
             </a:fld>
@@ -1962,7 +1962,7 @@
           <p:cNvPr id="4" name="页脚占位符 3">
             <a:extLst>
               <a:ext uri="{FF2B5EF4-FFF2-40B4-BE49-F238E27FC236}">
-                <a16:creationId xmlns:a16="http://schemas.microsoft.com/office/drawing/2014/main" id="{E70257F7-633F-FDA8-36D0-A8817695B1CA}"/>
+                <a16:creationId xmlns:a16="http://schemas.microsoft.com/office/drawing/2014/main" id="{0D28F39D-F60B-14B2-318F-0E30DD0A480E}"/>
               </a:ext>
             </a:extLst>
           </p:cNvPr>
@@ -1987,7 +1987,7 @@
           <p:cNvPr id="5" name="灯片编号占位符 4">
             <a:extLst>
               <a:ext uri="{FF2B5EF4-FFF2-40B4-BE49-F238E27FC236}">
-                <a16:creationId xmlns:a16="http://schemas.microsoft.com/office/drawing/2014/main" id="{36B9A092-6143-AF4A-050E-074E5D8B2572}"/>
+                <a16:creationId xmlns:a16="http://schemas.microsoft.com/office/drawing/2014/main" id="{609274CF-4182-1070-4077-A9728371D92D}"/>
               </a:ext>
             </a:extLst>
           </p:cNvPr>
@@ -2003,7 +2003,7 @@
           <a:bodyPr/>
           <a:lstStyle/>
           <a:p>
-            <a:fld id="{E4E11C57-885D-4143-8A67-42736074CC5E}" type="slidenum">
+            <a:fld id="{1AD63E32-6903-48F6-8FEF-D005E95FD2E3}" type="slidenum">
               <a:rPr lang="zh-CN" altLang="en-US" smtClean="0"/>
               <a:t>‹#›</a:t>
             </a:fld>
@@ -2014,7 +2014,7 @@
     </p:spTree>
     <p:extLst>
       <p:ext uri="{BB962C8B-B14F-4D97-AF65-F5344CB8AC3E}">
-        <p14:creationId xmlns:p14="http://schemas.microsoft.com/office/powerpoint/2010/main" val="2031085875"/>
+        <p14:creationId xmlns:p14="http://schemas.microsoft.com/office/powerpoint/2010/main" val="2566737485"/>
       </p:ext>
     </p:extLst>
   </p:cSld>
@@ -2046,7 +2046,7 @@
           <p:cNvPr id="2" name="日期占位符 1">
             <a:extLst>
               <a:ext uri="{FF2B5EF4-FFF2-40B4-BE49-F238E27FC236}">
-                <a16:creationId xmlns:a16="http://schemas.microsoft.com/office/drawing/2014/main" id="{B605DEE8-FC47-7674-6463-CC4A0A393E10}"/>
+                <a16:creationId xmlns:a16="http://schemas.microsoft.com/office/drawing/2014/main" id="{DA44CF88-71EA-DF87-3A05-5A88BE745F24}"/>
               </a:ext>
             </a:extLst>
           </p:cNvPr>
@@ -2062,7 +2062,7 @@
           <a:bodyPr/>
           <a:lstStyle/>
           <a:p>
-            <a:fld id="{D0318504-E7EB-445C-BDD7-069696839B7F}" type="datetimeFigureOut">
+            <a:fld id="{8CC405EB-DE6F-4FAC-BEA8-0CD452210A8A}" type="datetimeFigureOut">
               <a:rPr lang="zh-CN" altLang="en-US" smtClean="0"/>
               <a:t>2024/3/10</a:t>
             </a:fld>
@@ -2075,7 +2075,7 @@
           <p:cNvPr id="3" name="页脚占位符 2">
             <a:extLst>
               <a:ext uri="{FF2B5EF4-FFF2-40B4-BE49-F238E27FC236}">
-                <a16:creationId xmlns:a16="http://schemas.microsoft.com/office/drawing/2014/main" id="{EADF29AD-AE4B-26F2-E400-AECDC6839141}"/>
+                <a16:creationId xmlns:a16="http://schemas.microsoft.com/office/drawing/2014/main" id="{C3924E56-8B95-5F47-20CB-4422F2208286}"/>
               </a:ext>
             </a:extLst>
           </p:cNvPr>
@@ -2100,7 +2100,7 @@
           <p:cNvPr id="4" name="灯片编号占位符 3">
             <a:extLst>
               <a:ext uri="{FF2B5EF4-FFF2-40B4-BE49-F238E27FC236}">
-                <a16:creationId xmlns:a16="http://schemas.microsoft.com/office/drawing/2014/main" id="{3540C4DE-1EF9-681E-6F74-4FDEC99AEE08}"/>
+                <a16:creationId xmlns:a16="http://schemas.microsoft.com/office/drawing/2014/main" id="{45505F72-288D-6FD3-D68C-82C53FC6CC09}"/>
               </a:ext>
             </a:extLst>
           </p:cNvPr>
@@ -2116,7 +2116,7 @@
           <a:bodyPr/>
           <a:lstStyle/>
           <a:p>
-            <a:fld id="{E4E11C57-885D-4143-8A67-42736074CC5E}" type="slidenum">
+            <a:fld id="{1AD63E32-6903-48F6-8FEF-D005E95FD2E3}" type="slidenum">
               <a:rPr lang="zh-CN" altLang="en-US" smtClean="0"/>
               <a:t>‹#›</a:t>
             </a:fld>
@@ -2127,7 +2127,7 @@
     </p:spTree>
     <p:extLst>
       <p:ext uri="{BB962C8B-B14F-4D97-AF65-F5344CB8AC3E}">
-        <p14:creationId xmlns:p14="http://schemas.microsoft.com/office/powerpoint/2010/main" val="2632343615"/>
+        <p14:creationId xmlns:p14="http://schemas.microsoft.com/office/powerpoint/2010/main" val="2212872767"/>
       </p:ext>
     </p:extLst>
   </p:cSld>
@@ -2159,7 +2159,7 @@
           <p:cNvPr id="2" name="标题 1">
             <a:extLst>
               <a:ext uri="{FF2B5EF4-FFF2-40B4-BE49-F238E27FC236}">
-                <a16:creationId xmlns:a16="http://schemas.microsoft.com/office/drawing/2014/main" id="{E34C991F-E141-F7E2-600E-AF017F4454D3}"/>
+                <a16:creationId xmlns:a16="http://schemas.microsoft.com/office/drawing/2014/main" id="{BD29BF11-002B-807F-1838-CBEA632C823C}"/>
               </a:ext>
             </a:extLst>
           </p:cNvPr>
@@ -2196,7 +2196,7 @@
           <p:cNvPr id="3" name="内容占位符 2">
             <a:extLst>
               <a:ext uri="{FF2B5EF4-FFF2-40B4-BE49-F238E27FC236}">
-                <a16:creationId xmlns:a16="http://schemas.microsoft.com/office/drawing/2014/main" id="{587728EC-6573-4FAD-17FC-0A1B4A1E5F20}"/>
+                <a16:creationId xmlns:a16="http://schemas.microsoft.com/office/drawing/2014/main" id="{1D21D69C-007C-9E8E-678C-520D753A74A6}"/>
               </a:ext>
             </a:extLst>
           </p:cNvPr>
@@ -2286,7 +2286,7 @@
           <p:cNvPr id="4" name="文本占位符 3">
             <a:extLst>
               <a:ext uri="{FF2B5EF4-FFF2-40B4-BE49-F238E27FC236}">
-                <a16:creationId xmlns:a16="http://schemas.microsoft.com/office/drawing/2014/main" id="{DE6491A2-CA8B-DC0D-6974-9716F212D4E0}"/>
+                <a16:creationId xmlns:a16="http://schemas.microsoft.com/office/drawing/2014/main" id="{748E0482-E425-04EA-53AC-E4B921C2F676}"/>
               </a:ext>
             </a:extLst>
           </p:cNvPr>
@@ -2357,7 +2357,7 @@
           <p:cNvPr id="5" name="日期占位符 4">
             <a:extLst>
               <a:ext uri="{FF2B5EF4-FFF2-40B4-BE49-F238E27FC236}">
-                <a16:creationId xmlns:a16="http://schemas.microsoft.com/office/drawing/2014/main" id="{83D93FF1-38A9-8B04-077E-1E339592A454}"/>
+                <a16:creationId xmlns:a16="http://schemas.microsoft.com/office/drawing/2014/main" id="{07D0B98B-CBA2-B75C-5ED4-DA0CCEF9D68B}"/>
               </a:ext>
             </a:extLst>
           </p:cNvPr>
@@ -2373,7 +2373,7 @@
           <a:bodyPr/>
           <a:lstStyle/>
           <a:p>
-            <a:fld id="{D0318504-E7EB-445C-BDD7-069696839B7F}" type="datetimeFigureOut">
+            <a:fld id="{8CC405EB-DE6F-4FAC-BEA8-0CD452210A8A}" type="datetimeFigureOut">
               <a:rPr lang="zh-CN" altLang="en-US" smtClean="0"/>
               <a:t>2024/3/10</a:t>
             </a:fld>
@@ -2386,7 +2386,7 @@
           <p:cNvPr id="6" name="页脚占位符 5">
             <a:extLst>
               <a:ext uri="{FF2B5EF4-FFF2-40B4-BE49-F238E27FC236}">
-                <a16:creationId xmlns:a16="http://schemas.microsoft.com/office/drawing/2014/main" id="{7F610BDD-4662-3F4B-59FB-32BEE462F865}"/>
+                <a16:creationId xmlns:a16="http://schemas.microsoft.com/office/drawing/2014/main" id="{EE8DF761-5DAE-60F8-4497-43CEC5BC2499}"/>
               </a:ext>
             </a:extLst>
           </p:cNvPr>
@@ -2411,7 +2411,7 @@
           <p:cNvPr id="7" name="灯片编号占位符 6">
             <a:extLst>
               <a:ext uri="{FF2B5EF4-FFF2-40B4-BE49-F238E27FC236}">
-                <a16:creationId xmlns:a16="http://schemas.microsoft.com/office/drawing/2014/main" id="{E5B74D44-78C1-46DA-932F-A2C5E87D0487}"/>
+                <a16:creationId xmlns:a16="http://schemas.microsoft.com/office/drawing/2014/main" id="{0425465F-F7E1-D538-F474-4EC2EF8963C7}"/>
               </a:ext>
             </a:extLst>
           </p:cNvPr>
@@ -2427,7 +2427,7 @@
           <a:bodyPr/>
           <a:lstStyle/>
           <a:p>
-            <a:fld id="{E4E11C57-885D-4143-8A67-42736074CC5E}" type="slidenum">
+            <a:fld id="{1AD63E32-6903-48F6-8FEF-D005E95FD2E3}" type="slidenum">
               <a:rPr lang="zh-CN" altLang="en-US" smtClean="0"/>
               <a:t>‹#›</a:t>
             </a:fld>
@@ -2438,7 +2438,7 @@
     </p:spTree>
     <p:extLst>
       <p:ext uri="{BB962C8B-B14F-4D97-AF65-F5344CB8AC3E}">
-        <p14:creationId xmlns:p14="http://schemas.microsoft.com/office/powerpoint/2010/main" val="4163626120"/>
+        <p14:creationId xmlns:p14="http://schemas.microsoft.com/office/powerpoint/2010/main" val="1295827773"/>
       </p:ext>
     </p:extLst>
   </p:cSld>
@@ -2470,7 +2470,7 @@
           <p:cNvPr id="2" name="标题 1">
             <a:extLst>
               <a:ext uri="{FF2B5EF4-FFF2-40B4-BE49-F238E27FC236}">
-                <a16:creationId xmlns:a16="http://schemas.microsoft.com/office/drawing/2014/main" id="{0B9D8173-86C6-AB22-2808-0AEF9796599B}"/>
+                <a16:creationId xmlns:a16="http://schemas.microsoft.com/office/drawing/2014/main" id="{C8D890F0-1998-AC5D-DC99-4B3E432E86EF}"/>
               </a:ext>
             </a:extLst>
           </p:cNvPr>
@@ -2507,7 +2507,7 @@
           <p:cNvPr id="3" name="图片占位符 2">
             <a:extLst>
               <a:ext uri="{FF2B5EF4-FFF2-40B4-BE49-F238E27FC236}">
-                <a16:creationId xmlns:a16="http://schemas.microsoft.com/office/drawing/2014/main" id="{699F9F0C-3F18-447D-78DE-2B28243B6D31}"/>
+                <a16:creationId xmlns:a16="http://schemas.microsoft.com/office/drawing/2014/main" id="{11399ED3-BC52-B0C7-DD5D-787CCF90847E}"/>
               </a:ext>
             </a:extLst>
           </p:cNvPr>
@@ -2574,7 +2574,7 @@
           <p:cNvPr id="4" name="文本占位符 3">
             <a:extLst>
               <a:ext uri="{FF2B5EF4-FFF2-40B4-BE49-F238E27FC236}">
-                <a16:creationId xmlns:a16="http://schemas.microsoft.com/office/drawing/2014/main" id="{150AE8FC-3B3B-BAF4-56BE-A61A353C1D26}"/>
+                <a16:creationId xmlns:a16="http://schemas.microsoft.com/office/drawing/2014/main" id="{2C11A996-0342-3B02-EC94-59BD0C04A866}"/>
               </a:ext>
             </a:extLst>
           </p:cNvPr>
@@ -2645,7 +2645,7 @@
           <p:cNvPr id="5" name="日期占位符 4">
             <a:extLst>
               <a:ext uri="{FF2B5EF4-FFF2-40B4-BE49-F238E27FC236}">
-                <a16:creationId xmlns:a16="http://schemas.microsoft.com/office/drawing/2014/main" id="{A9BF3E25-8986-2676-A22A-D5E3149E073A}"/>
+                <a16:creationId xmlns:a16="http://schemas.microsoft.com/office/drawing/2014/main" id="{0AD00140-AD4C-20C7-F759-7B3310D0E3C2}"/>
               </a:ext>
             </a:extLst>
           </p:cNvPr>
@@ -2661,7 +2661,7 @@
           <a:bodyPr/>
           <a:lstStyle/>
           <a:p>
-            <a:fld id="{D0318504-E7EB-445C-BDD7-069696839B7F}" type="datetimeFigureOut">
+            <a:fld id="{8CC405EB-DE6F-4FAC-BEA8-0CD452210A8A}" type="datetimeFigureOut">
               <a:rPr lang="zh-CN" altLang="en-US" smtClean="0"/>
               <a:t>2024/3/10</a:t>
             </a:fld>
@@ -2674,7 +2674,7 @@
           <p:cNvPr id="6" name="页脚占位符 5">
             <a:extLst>
               <a:ext uri="{FF2B5EF4-FFF2-40B4-BE49-F238E27FC236}">
-                <a16:creationId xmlns:a16="http://schemas.microsoft.com/office/drawing/2014/main" id="{0DD55322-6DCB-3E38-87F9-F68A2A7CC8B5}"/>
+                <a16:creationId xmlns:a16="http://schemas.microsoft.com/office/drawing/2014/main" id="{ABFEED2C-711C-3FF9-258B-362F4F4A1A20}"/>
               </a:ext>
             </a:extLst>
           </p:cNvPr>
@@ -2699,7 +2699,7 @@
           <p:cNvPr id="7" name="灯片编号占位符 6">
             <a:extLst>
               <a:ext uri="{FF2B5EF4-FFF2-40B4-BE49-F238E27FC236}">
-                <a16:creationId xmlns:a16="http://schemas.microsoft.com/office/drawing/2014/main" id="{6D53A370-7401-E714-32AD-E14D757A4D01}"/>
+                <a16:creationId xmlns:a16="http://schemas.microsoft.com/office/drawing/2014/main" id="{CE8E7B51-D929-0FA5-CEDD-C674371CBD6A}"/>
               </a:ext>
             </a:extLst>
           </p:cNvPr>
@@ -2715,7 +2715,7 @@
           <a:bodyPr/>
           <a:lstStyle/>
           <a:p>
-            <a:fld id="{E4E11C57-885D-4143-8A67-42736074CC5E}" type="slidenum">
+            <a:fld id="{1AD63E32-6903-48F6-8FEF-D005E95FD2E3}" type="slidenum">
               <a:rPr lang="zh-CN" altLang="en-US" smtClean="0"/>
               <a:t>‹#›</a:t>
             </a:fld>
@@ -2726,7 +2726,7 @@
     </p:spTree>
     <p:extLst>
       <p:ext uri="{BB962C8B-B14F-4D97-AF65-F5344CB8AC3E}">
-        <p14:creationId xmlns:p14="http://schemas.microsoft.com/office/powerpoint/2010/main" val="1543570881"/>
+        <p14:creationId xmlns:p14="http://schemas.microsoft.com/office/powerpoint/2010/main" val="322030799"/>
       </p:ext>
     </p:extLst>
   </p:cSld>
@@ -2763,7 +2763,7 @@
           <p:cNvPr id="2" name="标题占位符 1">
             <a:extLst>
               <a:ext uri="{FF2B5EF4-FFF2-40B4-BE49-F238E27FC236}">
-                <a16:creationId xmlns:a16="http://schemas.microsoft.com/office/drawing/2014/main" id="{2BB86C27-9E4A-7B88-863A-ABECA689BAD3}"/>
+                <a16:creationId xmlns:a16="http://schemas.microsoft.com/office/drawing/2014/main" id="{04FBE550-7A5F-485A-C9B7-25EC7AF4DB21}"/>
               </a:ext>
             </a:extLst>
           </p:cNvPr>
@@ -2801,7 +2801,7 @@
           <p:cNvPr id="3" name="文本占位符 2">
             <a:extLst>
               <a:ext uri="{FF2B5EF4-FFF2-40B4-BE49-F238E27FC236}">
-                <a16:creationId xmlns:a16="http://schemas.microsoft.com/office/drawing/2014/main" id="{BF6E4EBA-DB6C-D288-58E3-1097A382F50B}"/>
+                <a16:creationId xmlns:a16="http://schemas.microsoft.com/office/drawing/2014/main" id="{E0FF90A1-A566-4475-F04C-E15721F8598F}"/>
               </a:ext>
             </a:extLst>
           </p:cNvPr>
@@ -2868,7 +2868,7 @@
           <p:cNvPr id="4" name="日期占位符 3">
             <a:extLst>
               <a:ext uri="{FF2B5EF4-FFF2-40B4-BE49-F238E27FC236}">
-                <a16:creationId xmlns:a16="http://schemas.microsoft.com/office/drawing/2014/main" id="{FBA4C3FD-E7FA-2B27-E2DC-BE11C9975D2B}"/>
+                <a16:creationId xmlns:a16="http://schemas.microsoft.com/office/drawing/2014/main" id="{73245D89-CB6F-6476-5DFF-67E1A95EC3FF}"/>
               </a:ext>
             </a:extLst>
           </p:cNvPr>
@@ -2902,7 +2902,7 @@
             </a:lvl1pPr>
           </a:lstStyle>
           <a:p>
-            <a:fld id="{D0318504-E7EB-445C-BDD7-069696839B7F}" type="datetimeFigureOut">
+            <a:fld id="{8CC405EB-DE6F-4FAC-BEA8-0CD452210A8A}" type="datetimeFigureOut">
               <a:rPr lang="zh-CN" altLang="en-US" smtClean="0"/>
               <a:t>2024/3/10</a:t>
             </a:fld>
@@ -2915,7 +2915,7 @@
           <p:cNvPr id="5" name="页脚占位符 4">
             <a:extLst>
               <a:ext uri="{FF2B5EF4-FFF2-40B4-BE49-F238E27FC236}">
-                <a16:creationId xmlns:a16="http://schemas.microsoft.com/office/drawing/2014/main" id="{FFEE1421-6916-E952-E1CB-01BC8E5171D2}"/>
+                <a16:creationId xmlns:a16="http://schemas.microsoft.com/office/drawing/2014/main" id="{E480175C-3D74-F2D0-831C-F5306D3EC1E5}"/>
               </a:ext>
             </a:extLst>
           </p:cNvPr>
@@ -2958,7 +2958,7 @@
           <p:cNvPr id="6" name="灯片编号占位符 5">
             <a:extLst>
               <a:ext uri="{FF2B5EF4-FFF2-40B4-BE49-F238E27FC236}">
-                <a16:creationId xmlns:a16="http://schemas.microsoft.com/office/drawing/2014/main" id="{239D6ABF-CF81-7486-7F03-8ABAEDB474E5}"/>
+                <a16:creationId xmlns:a16="http://schemas.microsoft.com/office/drawing/2014/main" id="{84614B71-10EC-DAF3-4D80-060433340558}"/>
               </a:ext>
             </a:extLst>
           </p:cNvPr>
@@ -2992,7 +2992,7 @@
             </a:lvl1pPr>
           </a:lstStyle>
           <a:p>
-            <a:fld id="{E4E11C57-885D-4143-8A67-42736074CC5E}" type="slidenum">
+            <a:fld id="{1AD63E32-6903-48F6-8FEF-D005E95FD2E3}" type="slidenum">
               <a:rPr lang="zh-CN" altLang="en-US" smtClean="0"/>
               <a:t>‹#›</a:t>
             </a:fld>
@@ -3003,7 +3003,7 @@
     </p:spTree>
     <p:extLst>
       <p:ext uri="{BB962C8B-B14F-4D97-AF65-F5344CB8AC3E}">
-        <p14:creationId xmlns:p14="http://schemas.microsoft.com/office/powerpoint/2010/main" val="1480353464"/>
+        <p14:creationId xmlns:p14="http://schemas.microsoft.com/office/powerpoint/2010/main" val="4093835812"/>
       </p:ext>
     </p:extLst>
   </p:cSld>
@@ -3323,7 +3323,7 @@
       </p:grpSpPr>
       <p:pic>
         <p:nvPicPr>
-          <p:cNvPr id="1368066" name="Picture 2" descr="1335"/>
+          <p:cNvPr id="1369090" name="Picture 2" descr="1336"/>
           <p:cNvPicPr>
             <a:picLocks noChangeAspect="1" noChangeArrowheads="1"/>
           </p:cNvPicPr>
@@ -3345,7 +3345,7 @@
         <p:spPr bwMode="auto">
           <a:xfrm>
             <a:off x="1524000" y="0"/>
-            <a:ext cx="9144000" cy="5589588"/>
+            <a:ext cx="9144000" cy="6165850"/>
           </a:xfrm>
           <a:prstGeom prst="rect">
             <a:avLst/>
